--- a/guilherme alvarenga_apresentação TG.pptx
+++ b/guilherme alvarenga_apresentação TG.pptx
@@ -460,7 +460,7 @@
           <a:p>
             <a:fld id="{0DAF61AA-5A98-4049-A93E-477E5505141A}" type="datetimeFigureOut">
               <a:rPr lang="en-US" smtClean="0"/>
-              <a:t>12/4/2022</a:t>
+              <a:t>12/5/2022</a:t>
             </a:fld>
             <a:endParaRPr lang="en-US" dirty="0"/>
           </a:p>
@@ -658,7 +658,7 @@
           <a:p>
             <a:fld id="{0DAF61AA-5A98-4049-A93E-477E5505141A}" type="datetimeFigureOut">
               <a:rPr lang="en-US" smtClean="0"/>
-              <a:t>12/4/2022</a:t>
+              <a:t>12/5/2022</a:t>
             </a:fld>
             <a:endParaRPr lang="en-US"/>
           </a:p>
@@ -866,7 +866,7 @@
           <a:p>
             <a:fld id="{0DAF61AA-5A98-4049-A93E-477E5505141A}" type="datetimeFigureOut">
               <a:rPr lang="en-US" smtClean="0"/>
-              <a:t>12/4/2022</a:t>
+              <a:t>12/5/2022</a:t>
             </a:fld>
             <a:endParaRPr lang="en-US"/>
           </a:p>
@@ -1064,7 +1064,7 @@
           <a:p>
             <a:fld id="{0DAF61AA-5A98-4049-A93E-477E5505141A}" type="datetimeFigureOut">
               <a:rPr lang="en-US" smtClean="0"/>
-              <a:t>12/4/2022</a:t>
+              <a:t>12/5/2022</a:t>
             </a:fld>
             <a:endParaRPr lang="en-US"/>
           </a:p>
@@ -1339,7 +1339,7 @@
           <a:p>
             <a:fld id="{0DAF61AA-5A98-4049-A93E-477E5505141A}" type="datetimeFigureOut">
               <a:rPr lang="en-US" smtClean="0"/>
-              <a:t>12/4/2022</a:t>
+              <a:t>12/5/2022</a:t>
             </a:fld>
             <a:endParaRPr lang="en-US"/>
           </a:p>
@@ -1604,7 +1604,7 @@
           <a:p>
             <a:fld id="{0DAF61AA-5A98-4049-A93E-477E5505141A}" type="datetimeFigureOut">
               <a:rPr lang="en-US" smtClean="0"/>
-              <a:t>12/4/2022</a:t>
+              <a:t>12/5/2022</a:t>
             </a:fld>
             <a:endParaRPr lang="en-US"/>
           </a:p>
@@ -2016,7 +2016,7 @@
           <a:p>
             <a:fld id="{0DAF61AA-5A98-4049-A93E-477E5505141A}" type="datetimeFigureOut">
               <a:rPr lang="en-US" smtClean="0"/>
-              <a:t>12/4/2022</a:t>
+              <a:t>12/5/2022</a:t>
             </a:fld>
             <a:endParaRPr lang="en-US"/>
           </a:p>
@@ -2157,7 +2157,7 @@
           <a:p>
             <a:fld id="{0DAF61AA-5A98-4049-A93E-477E5505141A}" type="datetimeFigureOut">
               <a:rPr lang="en-US" smtClean="0"/>
-              <a:t>12/4/2022</a:t>
+              <a:t>12/5/2022</a:t>
             </a:fld>
             <a:endParaRPr lang="en-US"/>
           </a:p>
@@ -2270,7 +2270,7 @@
           <a:p>
             <a:fld id="{0DAF61AA-5A98-4049-A93E-477E5505141A}" type="datetimeFigureOut">
               <a:rPr lang="en-US" smtClean="0"/>
-              <a:t>12/4/2022</a:t>
+              <a:t>12/5/2022</a:t>
             </a:fld>
             <a:endParaRPr lang="en-US"/>
           </a:p>
@@ -2581,7 +2581,7 @@
           <a:p>
             <a:fld id="{0DAF61AA-5A98-4049-A93E-477E5505141A}" type="datetimeFigureOut">
               <a:rPr lang="en-US" smtClean="0"/>
-              <a:t>12/4/2022</a:t>
+              <a:t>12/5/2022</a:t>
             </a:fld>
             <a:endParaRPr lang="en-US"/>
           </a:p>
@@ -2872,7 +2872,7 @@
           <a:p>
             <a:fld id="{0DAF61AA-5A98-4049-A93E-477E5505141A}" type="datetimeFigureOut">
               <a:rPr lang="en-US" smtClean="0"/>
-              <a:t>12/4/2022</a:t>
+              <a:t>12/5/2022</a:t>
             </a:fld>
             <a:endParaRPr lang="en-US"/>
           </a:p>
@@ -6563,7 +6563,7 @@
             <a:fld id="{0DAF61AA-5A98-4049-A93E-477E5505141A}" type="datetimeFigureOut">
               <a:rPr lang="en-US" smtClean="0"/>
               <a:pPr/>
-              <a:t>12/4/2022</a:t>
+              <a:t>12/5/2022</a:t>
             </a:fld>
             <a:endParaRPr lang="en-US" dirty="0"/>
           </a:p>
@@ -12552,7 +12552,7 @@
               <a:buChar char="•"/>
             </a:pPr>
             <a:r>
-              <a:rPr lang="pt-BR" sz="1800" dirty="0"/>
+              <a:rPr lang="pt-BR" sz="2400" dirty="0"/>
               <a:t>Metodologia SCRUM (como PO);</a:t>
             </a:r>
           </a:p>
@@ -12562,7 +12562,7 @@
               <a:buChar char="•"/>
             </a:pPr>
             <a:r>
-              <a:rPr lang="pt-BR" sz="1800" dirty="0"/>
+              <a:rPr lang="pt-BR" sz="2400" dirty="0"/>
               <a:t>Entender a real necessidade do cliente;</a:t>
             </a:r>
           </a:p>
@@ -12572,7 +12572,7 @@
               <a:buChar char="•"/>
             </a:pPr>
             <a:r>
-              <a:rPr lang="pt-BR" sz="1800" dirty="0"/>
+              <a:rPr lang="pt-BR" sz="2400" dirty="0"/>
               <a:t>Criar um backlog conciso, transparente e possível; </a:t>
             </a:r>
           </a:p>
@@ -12582,7 +12582,7 @@
               <a:buChar char="•"/>
             </a:pPr>
             <a:r>
-              <a:rPr lang="pt-BR" sz="1800" dirty="0"/>
+              <a:rPr lang="pt-BR" sz="2400" dirty="0"/>
               <a:t>Empatia.</a:t>
             </a:r>
           </a:p>
@@ -29914,7 +29914,7 @@
               <a:buNone/>
             </a:pPr>
             <a:r>
-              <a:rPr lang="pt-BR" sz="1800" b="1" dirty="0">
+              <a:rPr lang="pt-BR" sz="2000" b="1" dirty="0">
                 <a:solidFill>
                   <a:srgbClr val="FFFFFF"/>
                 </a:solidFill>
@@ -29928,7 +29928,7 @@
               <a:buChar char="•"/>
             </a:pPr>
             <a:r>
-              <a:rPr lang="pt-BR" sz="1800" dirty="0">
+              <a:rPr lang="pt-BR" sz="2000" dirty="0">
                 <a:solidFill>
                   <a:srgbClr val="FFFFFF"/>
                 </a:solidFill>
@@ -29942,7 +29942,7 @@
               <a:buChar char="•"/>
             </a:pPr>
             <a:r>
-              <a:rPr lang="pt-BR" sz="1800" dirty="0">
+              <a:rPr lang="pt-BR" sz="2000" dirty="0">
                 <a:solidFill>
                   <a:srgbClr val="FFFFFF"/>
                 </a:solidFill>
@@ -29955,7 +29955,7 @@
               <a:buFont typeface="Arial" panose="020B0604020202020204" pitchFamily="34" charset="0"/>
               <a:buChar char="•"/>
             </a:pPr>
-            <a:endParaRPr lang="pt-BR" sz="1800" dirty="0">
+            <a:endParaRPr lang="pt-BR" sz="2000" dirty="0">
               <a:solidFill>
                 <a:srgbClr val="FFFFFF"/>
               </a:solidFill>
@@ -29966,7 +29966,7 @@
               <a:buNone/>
             </a:pPr>
             <a:r>
-              <a:rPr lang="pt-BR" sz="1800" b="1" dirty="0">
+              <a:rPr lang="pt-BR" sz="2000" b="1" dirty="0">
                 <a:solidFill>
                   <a:srgbClr val="FFFFFF"/>
                 </a:solidFill>
@@ -29980,13 +29980,26 @@
               <a:buChar char="•"/>
             </a:pPr>
             <a:r>
-              <a:rPr lang="pt-BR" sz="1800" b="1" dirty="0">
+              <a:rPr lang="pt-BR" sz="2000" b="1" dirty="0">
                 <a:solidFill>
                   <a:srgbClr val="FFFFFF"/>
                 </a:solidFill>
               </a:rPr>
-              <a:t>Estagiário como desenvolvedor web (dezembro 2020 – fevereiro 2021)</a:t>
+              <a:t>Estagiário como desenvolvedor web (dezembro 2020 – fevereiro </a:t>
             </a:r>
+            <a:r>
+              <a:rPr lang="pt-BR" sz="2000" b="1">
+                <a:solidFill>
+                  <a:srgbClr val="FFFFFF"/>
+                </a:solidFill>
+              </a:rPr>
+              <a:t>2021);</a:t>
+            </a:r>
+            <a:endParaRPr lang="pt-BR" sz="2000" b="1" dirty="0">
+              <a:solidFill>
+                <a:srgbClr val="FFFFFF"/>
+              </a:solidFill>
+            </a:endParaRPr>
           </a:p>
         </p:txBody>
       </p:sp>
@@ -35349,8 +35362,8 @@
           </p:pic>
         </mc:Fallback>
       </mc:AlternateContent>
-      <mc:AlternateContent xmlns:mc="http://schemas.openxmlformats.org/markup-compatibility/2006">
-        <mc:Choice xmlns:p14="http://schemas.microsoft.com/office/powerpoint/2010/main" Requires="p14">
+      <mc:AlternateContent xmlns:mc="http://schemas.openxmlformats.org/markup-compatibility/2006" xmlns:p14="http://schemas.microsoft.com/office/powerpoint/2010/main">
+        <mc:Choice Requires="p14">
           <p:contentPart p14:bwMode="auto" r:id="rId7">
             <p14:nvContentPartPr>
               <p14:cNvPr id="10" name="Tinta 9">
@@ -35369,7 +35382,7 @@
             </p14:xfrm>
           </p:contentPart>
         </mc:Choice>
-        <mc:Fallback>
+        <mc:Fallback xmlns="">
           <p:pic>
             <p:nvPicPr>
               <p:cNvPr id="10" name="Tinta 9">
@@ -35502,8 +35515,8 @@
           </p:pic>
         </mc:Fallback>
       </mc:AlternateContent>
-      <mc:AlternateContent xmlns:mc="http://schemas.openxmlformats.org/markup-compatibility/2006">
-        <mc:Choice xmlns:p14="http://schemas.microsoft.com/office/powerpoint/2010/main" Requires="p14">
+      <mc:AlternateContent xmlns:mc="http://schemas.openxmlformats.org/markup-compatibility/2006" xmlns:p14="http://schemas.microsoft.com/office/powerpoint/2010/main">
+        <mc:Choice Requires="p14">
           <p:contentPart p14:bwMode="auto" r:id="rId12">
             <p14:nvContentPartPr>
               <p14:cNvPr id="17" name="Tinta 16">
@@ -35522,7 +35535,7 @@
             </p14:xfrm>
           </p:contentPart>
         </mc:Choice>
-        <mc:Fallback>
+        <mc:Fallback xmlns="">
           <p:pic>
             <p:nvPicPr>
               <p:cNvPr id="17" name="Tinta 16">
@@ -36043,7 +36056,7 @@
         </p:nvGrpSpPr>
         <p:grpSpPr>
           <a:xfrm>
-            <a:off x="2275553" y="4877703"/>
+            <a:off x="2275553" y="4833200"/>
             <a:ext cx="1529296" cy="1500115"/>
             <a:chOff x="841" y="1594235"/>
             <a:chExt cx="1529296" cy="1500115"/>
@@ -36189,7 +36202,7 @@
         </p:nvGrpSpPr>
         <p:grpSpPr>
           <a:xfrm>
-            <a:off x="4289428" y="2298776"/>
+            <a:off x="4289428" y="2329358"/>
             <a:ext cx="1529296" cy="415777"/>
             <a:chOff x="841" y="1305801"/>
             <a:chExt cx="1529296" cy="415777"/>
@@ -37247,10 +37260,10 @@
         </p:nvGrpSpPr>
         <p:grpSpPr>
           <a:xfrm>
-            <a:off x="10483487" y="4869487"/>
-            <a:ext cx="1529296" cy="1324207"/>
-            <a:chOff x="841" y="1770143"/>
-            <a:chExt cx="1529296" cy="1324207"/>
+            <a:off x="10483487" y="4794306"/>
+            <a:ext cx="1529296" cy="1399388"/>
+            <a:chOff x="841" y="1694962"/>
+            <a:chExt cx="1529296" cy="1399388"/>
           </a:xfrm>
         </p:grpSpPr>
         <p:sp>
@@ -37326,7 +37339,7 @@
           </p:nvSpPr>
           <p:spPr>
             <a:xfrm>
-              <a:off x="841" y="1770143"/>
+              <a:off x="841" y="1694962"/>
               <a:ext cx="1529296" cy="1324207"/>
             </a:xfrm>
             <a:prstGeom prst="rect">
@@ -39580,7 +39593,7 @@
         </p:spPr>
         <p:txBody>
           <a:bodyPr vert="horz" lIns="91440" tIns="45720" rIns="91440" bIns="45720" rtlCol="0">
-            <a:normAutofit/>
+            <a:normAutofit fontScale="85000" lnSpcReduction="10000"/>
           </a:bodyPr>
           <a:lstStyle/>
           <a:p>
@@ -39648,7 +39661,7 @@
               <a:buChar char="•"/>
             </a:pPr>
             <a:r>
-              <a:rPr lang="pt-BR" sz="1400" dirty="0"/>
+              <a:rPr lang="pt-BR" sz="1900" dirty="0"/>
               <a:t>Oferecer uma plataforma de gerenciamento que atendesse o processo de documentação das reuniões;</a:t>
             </a:r>
           </a:p>
@@ -39661,7 +39674,7 @@
               <a:buChar char="•"/>
             </a:pPr>
             <a:r>
-              <a:rPr lang="pt-BR" sz="1400" dirty="0"/>
+              <a:rPr lang="pt-BR" sz="1900" dirty="0"/>
               <a:t>Possuir níveis de usuário;</a:t>
             </a:r>
           </a:p>
@@ -39674,7 +39687,7 @@
               <a:buChar char="•"/>
             </a:pPr>
             <a:r>
-              <a:rPr lang="pt-BR" sz="1400" dirty="0"/>
+              <a:rPr lang="pt-BR" sz="1900" dirty="0"/>
               <a:t>Aplicar o recurso da Assinatura Digital;</a:t>
             </a:r>
           </a:p>
@@ -39687,7 +39700,7 @@
               <a:buChar char="•"/>
             </a:pPr>
             <a:r>
-              <a:rPr lang="pt-BR" sz="1400" dirty="0"/>
+              <a:rPr lang="pt-BR" sz="1900" dirty="0"/>
               <a:t>Proporcionar praticidade ao processo de documentação.</a:t>
             </a:r>
           </a:p>
